--- a/Milestone3/Milestone 3.pptx
+++ b/Milestone3/Milestone 3.pptx
@@ -1230,8 +1230,8 @@
         </a:p>
       </dgm:t>
     </dgm:pt>
-    <mc:AlternateContent xmlns:mc="http://schemas.openxmlformats.org/markup-compatibility/2006">
-      <mc:Choice xmlns:a14="http://schemas.microsoft.com/office/drawing/2010/main" Requires="a14">
+    <mc:AlternateContent xmlns:mc="http://schemas.openxmlformats.org/markup-compatibility/2006" xmlns:a14="http://schemas.microsoft.com/office/drawing/2010/main">
+      <mc:Choice Requires="a14">
         <dgm:pt modelId="{D6350730-1393-4BCD-BA5D-C96F4805E683}">
           <dgm:prSet phldrT="[Text]"/>
           <dgm:spPr/>
@@ -1266,7 +1266,7 @@
           </dgm:t>
         </dgm:pt>
       </mc:Choice>
-      <mc:Fallback>
+      <mc:Fallback xmlns="">
         <dgm:pt modelId="{D6350730-1393-4BCD-BA5D-C96F4805E683}">
           <dgm:prSet phldrT="[Text]"/>
           <dgm:spPr/>
@@ -1434,8 +1434,8 @@
         </a:p>
       </dgm:t>
     </dgm:pt>
-    <mc:AlternateContent xmlns:mc="http://schemas.openxmlformats.org/markup-compatibility/2006">
-      <mc:Choice xmlns:a14="http://schemas.microsoft.com/office/drawing/2010/main" Requires="a14">
+    <mc:AlternateContent xmlns:mc="http://schemas.openxmlformats.org/markup-compatibility/2006" xmlns:a14="http://schemas.microsoft.com/office/drawing/2010/main">
+      <mc:Choice Requires="a14">
         <dgm:pt modelId="{94A2817D-C12B-444A-B6C0-36BFCBA1518E}">
           <dgm:prSet phldrT="[Text]"/>
           <dgm:spPr/>
@@ -1482,7 +1482,7 @@
           </dgm:t>
         </dgm:pt>
       </mc:Choice>
-      <mc:Fallback>
+      <mc:Fallback xmlns="">
         <dgm:pt modelId="{94A2817D-C12B-444A-B6C0-36BFCBA1518E}">
           <dgm:prSet phldrT="[Text]"/>
           <dgm:spPr/>
@@ -1544,8 +1544,8 @@
         </a:p>
       </dgm:t>
     </dgm:pt>
-    <mc:AlternateContent xmlns:mc="http://schemas.openxmlformats.org/markup-compatibility/2006">
-      <mc:Choice xmlns:a14="http://schemas.microsoft.com/office/drawing/2010/main" Requires="a14">
+    <mc:AlternateContent xmlns:mc="http://schemas.openxmlformats.org/markup-compatibility/2006" xmlns:a14="http://schemas.microsoft.com/office/drawing/2010/main">
+      <mc:Choice Requires="a14">
         <dgm:pt modelId="{7679C852-EA39-43BD-AD29-9BD9D3E0F27C}">
           <dgm:prSet phldrT="[Text]"/>
           <dgm:spPr/>
@@ -1580,7 +1580,7 @@
           </dgm:t>
         </dgm:pt>
       </mc:Choice>
-      <mc:Fallback>
+      <mc:Fallback xmlns="">
         <dgm:pt modelId="{7679C852-EA39-43BD-AD29-9BD9D3E0F27C}">
           <dgm:prSet phldrT="[Text]"/>
           <dgm:spPr/>
@@ -1642,8 +1642,8 @@
         </a:p>
       </dgm:t>
     </dgm:pt>
-    <mc:AlternateContent xmlns:mc="http://schemas.openxmlformats.org/markup-compatibility/2006">
-      <mc:Choice xmlns:a14="http://schemas.microsoft.com/office/drawing/2010/main" Requires="a14">
+    <mc:AlternateContent xmlns:mc="http://schemas.openxmlformats.org/markup-compatibility/2006" xmlns:a14="http://schemas.microsoft.com/office/drawing/2010/main">
+      <mc:Choice Requires="a14">
         <dgm:pt modelId="{0DF07E0B-BD29-4522-8E8E-683D31DAD98A}">
           <dgm:prSet phldrT="[Text]"/>
           <dgm:spPr/>
@@ -1686,7 +1686,7 @@
           </dgm:t>
         </dgm:pt>
       </mc:Choice>
-      <mc:Fallback>
+      <mc:Fallback xmlns="">
         <dgm:pt modelId="{0DF07E0B-BD29-4522-8E8E-683D31DAD98A}">
           <dgm:prSet phldrT="[Text]"/>
           <dgm:spPr/>
@@ -4741,7 +4741,7 @@
           <a:p>
             <a:fld id="{B6B3EBA0-A92D-45F7-AC7A-D927C9DAB897}" type="datetimeFigureOut">
               <a:rPr lang="en-IL" smtClean="0"/>
-              <a:t>13/10/2024</a:t>
+              <a:t>14/10/2024</a:t>
             </a:fld>
             <a:endParaRPr lang="en-IL"/>
           </a:p>
@@ -5257,8 +5257,8 @@
         </p:nvSpPr>
         <p:spPr/>
       </p:sp>
-      <mc:AlternateContent xmlns:mc="http://schemas.openxmlformats.org/markup-compatibility/2006">
-        <mc:Choice xmlns:a14="http://schemas.microsoft.com/office/drawing/2010/main" Requires="a14">
+      <mc:AlternateContent xmlns:mc="http://schemas.openxmlformats.org/markup-compatibility/2006" xmlns:a14="http://schemas.microsoft.com/office/drawing/2010/main">
+        <mc:Choice Requires="a14">
           <p:sp>
             <p:nvSpPr>
               <p:cNvPr id="3" name="Notes Placeholder 2"/>
@@ -5453,12 +5453,28 @@
                   <a:rPr lang="he-IL" baseline="0" dirty="0"/>
                   <a:t> לאט יותר.</a:t>
                 </a:r>
-                <a:endParaRPr lang="en-IL" dirty="0"/>
+                <a:endParaRPr lang="en-US" baseline="0" dirty="0"/>
+              </a:p>
+              <a:p>
+                <a:pPr algn="r" rtl="1"/>
+                <a:r>
+                  <a:rPr lang="he-IL" baseline="0" dirty="0"/>
+                  <a:t>מה קורה כשדלתא </a:t>
+                </a:r>
+                <a:r>
+                  <a:rPr lang="en-US" baseline="0" dirty="0"/>
+                  <a:t>t</a:t>
+                </a:r>
+                <a:r>
+                  <a:rPr lang="he-IL" baseline="0" dirty="0"/>
+                  <a:t> הוא 0? חשבו על כך!</a:t>
+                </a:r>
+                <a:endParaRPr lang="en-US" baseline="0" dirty="0"/>
               </a:p>
             </p:txBody>
           </p:sp>
         </mc:Choice>
-        <mc:Fallback>
+        <mc:Fallback xmlns="">
           <p:sp>
             <p:nvSpPr>
               <p:cNvPr id="3" name="Notes Placeholder 2"/>
@@ -6338,7 +6354,7 @@
           <a:p>
             <a:fld id="{A7FE6E98-EBE2-44D0-9CA3-BDB4E420C7EB}" type="datetimeFigureOut">
               <a:rPr lang="en-IL" smtClean="0"/>
-              <a:t>13/10/2024</a:t>
+              <a:t>14/10/2024</a:t>
             </a:fld>
             <a:endParaRPr lang="en-IL"/>
           </a:p>
@@ -6538,7 +6554,7 @@
           <a:p>
             <a:fld id="{A7FE6E98-EBE2-44D0-9CA3-BDB4E420C7EB}" type="datetimeFigureOut">
               <a:rPr lang="en-IL" smtClean="0"/>
-              <a:t>13/10/2024</a:t>
+              <a:t>14/10/2024</a:t>
             </a:fld>
             <a:endParaRPr lang="en-IL"/>
           </a:p>
@@ -6748,7 +6764,7 @@
           <a:p>
             <a:fld id="{A7FE6E98-EBE2-44D0-9CA3-BDB4E420C7EB}" type="datetimeFigureOut">
               <a:rPr lang="en-IL" smtClean="0"/>
-              <a:t>13/10/2024</a:t>
+              <a:t>14/10/2024</a:t>
             </a:fld>
             <a:endParaRPr lang="en-IL"/>
           </a:p>
@@ -6948,7 +6964,7 @@
           <a:p>
             <a:fld id="{A7FE6E98-EBE2-44D0-9CA3-BDB4E420C7EB}" type="datetimeFigureOut">
               <a:rPr lang="en-IL" smtClean="0"/>
-              <a:t>13/10/2024</a:t>
+              <a:t>14/10/2024</a:t>
             </a:fld>
             <a:endParaRPr lang="en-IL"/>
           </a:p>
@@ -7279,7 +7295,7 @@
           <a:p>
             <a:fld id="{A7FE6E98-EBE2-44D0-9CA3-BDB4E420C7EB}" type="datetimeFigureOut">
               <a:rPr lang="en-IL" smtClean="0"/>
-              <a:t>13/10/2024</a:t>
+              <a:t>14/10/2024</a:t>
             </a:fld>
             <a:endParaRPr lang="en-IL"/>
           </a:p>
@@ -7547,7 +7563,7 @@
           <a:p>
             <a:fld id="{A7FE6E98-EBE2-44D0-9CA3-BDB4E420C7EB}" type="datetimeFigureOut">
               <a:rPr lang="en-IL" smtClean="0"/>
-              <a:t>13/10/2024</a:t>
+              <a:t>14/10/2024</a:t>
             </a:fld>
             <a:endParaRPr lang="en-IL"/>
           </a:p>
@@ -7962,7 +7978,7 @@
           <a:p>
             <a:fld id="{A7FE6E98-EBE2-44D0-9CA3-BDB4E420C7EB}" type="datetimeFigureOut">
               <a:rPr lang="en-IL" smtClean="0"/>
-              <a:t>13/10/2024</a:t>
+              <a:t>14/10/2024</a:t>
             </a:fld>
             <a:endParaRPr lang="en-IL"/>
           </a:p>
@@ -8104,7 +8120,7 @@
           <a:p>
             <a:fld id="{A7FE6E98-EBE2-44D0-9CA3-BDB4E420C7EB}" type="datetimeFigureOut">
               <a:rPr lang="en-IL" smtClean="0"/>
-              <a:t>13/10/2024</a:t>
+              <a:t>14/10/2024</a:t>
             </a:fld>
             <a:endParaRPr lang="en-IL"/>
           </a:p>
@@ -8217,7 +8233,7 @@
           <a:p>
             <a:fld id="{A7FE6E98-EBE2-44D0-9CA3-BDB4E420C7EB}" type="datetimeFigureOut">
               <a:rPr lang="en-IL" smtClean="0"/>
-              <a:t>13/10/2024</a:t>
+              <a:t>14/10/2024</a:t>
             </a:fld>
             <a:endParaRPr lang="en-IL"/>
           </a:p>
@@ -8530,7 +8546,7 @@
           <a:p>
             <a:fld id="{A7FE6E98-EBE2-44D0-9CA3-BDB4E420C7EB}" type="datetimeFigureOut">
               <a:rPr lang="en-IL" smtClean="0"/>
-              <a:t>13/10/2024</a:t>
+              <a:t>14/10/2024</a:t>
             </a:fld>
             <a:endParaRPr lang="en-IL"/>
           </a:p>
@@ -8819,7 +8835,7 @@
           <a:p>
             <a:fld id="{A7FE6E98-EBE2-44D0-9CA3-BDB4E420C7EB}" type="datetimeFigureOut">
               <a:rPr lang="en-IL" smtClean="0"/>
-              <a:t>13/10/2024</a:t>
+              <a:t>14/10/2024</a:t>
             </a:fld>
             <a:endParaRPr lang="en-IL"/>
           </a:p>
@@ -9062,7 +9078,7 @@
           <a:p>
             <a:fld id="{A7FE6E98-EBE2-44D0-9CA3-BDB4E420C7EB}" type="datetimeFigureOut">
               <a:rPr lang="en-IL" smtClean="0"/>
-              <a:t>13/10/2024</a:t>
+              <a:t>14/10/2024</a:t>
             </a:fld>
             <a:endParaRPr lang="en-IL"/>
           </a:p>
@@ -9632,7 +9648,7 @@
           <a:p>
             <a:pPr algn="l"/>
             <a:r>
-              <a:rPr lang="en-US" b="1">
+              <a:rPr lang="en-US" b="1" dirty="0">
                 <a:solidFill>
                   <a:schemeClr val="accent6">
                     <a:lumMod val="75000"/>
@@ -9645,7 +9661,7 @@
               <a:t>S</a:t>
             </a:r>
             <a:r>
-              <a:rPr lang="en-US">
+              <a:rPr lang="en-US" dirty="0">
                 <a:solidFill>
                   <a:schemeClr val="accent6">
                     <a:lumMod val="75000"/>
@@ -9658,7 +9674,7 @@
               <a:t>ocial </a:t>
             </a:r>
             <a:r>
-              <a:rPr lang="en-US" b="1">
+              <a:rPr lang="en-US" b="1" dirty="0">
                 <a:solidFill>
                   <a:schemeClr val="accent6">
                     <a:lumMod val="75000"/>
@@ -9671,7 +9687,7 @@
               <a:t>I</a:t>
             </a:r>
             <a:r>
-              <a:rPr lang="en-US">
+              <a:rPr lang="en-US" dirty="0">
                 <a:solidFill>
                   <a:schemeClr val="accent6">
                     <a:lumMod val="75000"/>
@@ -9684,7 +9700,7 @@
               <a:t>nference of </a:t>
             </a:r>
             <a:r>
-              <a:rPr lang="en-US" b="1">
+              <a:rPr lang="en-US" b="1" dirty="0">
                 <a:solidFill>
                   <a:schemeClr val="accent6">
                     <a:lumMod val="75000"/>
@@ -9697,7 +9713,7 @@
               <a:t>M</a:t>
             </a:r>
             <a:r>
-              <a:rPr lang="en-US">
+              <a:rPr lang="en-US" dirty="0">
                 <a:solidFill>
                   <a:schemeClr val="accent6">
                     <a:lumMod val="75000"/>
@@ -9710,7 +9726,7 @@
               <a:t>icrobiome </a:t>
             </a:r>
             <a:r>
-              <a:rPr lang="en-US" b="1">
+              <a:rPr lang="en-US" b="1" dirty="0">
                 <a:solidFill>
                   <a:schemeClr val="accent6">
                     <a:lumMod val="75000"/>
@@ -9723,7 +9739,7 @@
               <a:t>S</a:t>
             </a:r>
             <a:r>
-              <a:rPr lang="en-US">
+              <a:rPr lang="en-US" dirty="0">
                 <a:solidFill>
                   <a:schemeClr val="accent6">
                     <a:lumMod val="75000"/>
@@ -11314,7 +11330,7 @@
                 <a:ea typeface="Roboto Slab" pitchFamily="34" charset="-122"/>
                 <a:cs typeface="Roboto Slab" pitchFamily="34" charset="-120"/>
               </a:rPr>
-              <a:t>Our Model’s Evolution</a:t>
+              <a:t>Model’s Evolution</a:t>
             </a:r>
             <a:endParaRPr lang="en-IL" dirty="0">
               <a:solidFill>
@@ -11365,8 +11381,8 @@
           </a:prstGeom>
         </p:spPr>
       </p:pic>
-      <mc:AlternateContent xmlns:mc="http://schemas.openxmlformats.org/markup-compatibility/2006">
-        <mc:Choice xmlns:a14="http://schemas.microsoft.com/office/drawing/2010/main" Requires="a14">
+      <mc:AlternateContent xmlns:mc="http://schemas.openxmlformats.org/markup-compatibility/2006" xmlns:a14="http://schemas.microsoft.com/office/drawing/2010/main">
+        <mc:Choice Requires="a14">
           <p:sp>
             <p:nvSpPr>
               <p:cNvPr id="7" name="TextBox 6">
@@ -11444,7 +11460,7 @@
             </p:txBody>
           </p:sp>
         </mc:Choice>
-        <mc:Fallback>
+        <mc:Fallback xmlns="">
           <p:sp>
             <p:nvSpPr>
               <p:cNvPr id="7" name="TextBox 6">
@@ -11489,8 +11505,8 @@
           </p:sp>
         </mc:Fallback>
       </mc:AlternateContent>
-      <mc:AlternateContent xmlns:mc="http://schemas.openxmlformats.org/markup-compatibility/2006">
-        <mc:Choice xmlns:a14="http://schemas.microsoft.com/office/drawing/2010/main" Requires="a14">
+      <mc:AlternateContent xmlns:mc="http://schemas.openxmlformats.org/markup-compatibility/2006" xmlns:a14="http://schemas.microsoft.com/office/drawing/2010/main">
+        <mc:Choice Requires="a14">
           <p:sp>
             <p:nvSpPr>
               <p:cNvPr id="8" name="TextBox 7">
@@ -11572,7 +11588,7 @@
             </p:txBody>
           </p:sp>
         </mc:Choice>
-        <mc:Fallback>
+        <mc:Fallback xmlns="">
           <p:sp>
             <p:nvSpPr>
               <p:cNvPr id="8" name="TextBox 7">
@@ -11619,10 +11635,10 @@
       </mc:AlternateContent>
       <p:pic>
         <p:nvPicPr>
-          <p:cNvPr id="2056" name="Picture 8">
+          <p:cNvPr id="1026" name="Picture 2">
             <a:extLst>
               <a:ext uri="{FF2B5EF4-FFF2-40B4-BE49-F238E27FC236}">
-                <a16:creationId xmlns:a16="http://schemas.microsoft.com/office/drawing/2014/main" id="{C400A368-CFF4-E44C-8A6E-042A865EF1DA}"/>
+                <a16:creationId xmlns:a16="http://schemas.microsoft.com/office/drawing/2014/main" id="{A0C0DC8C-CB87-6826-B08D-56481194D38C}"/>
               </a:ext>
             </a:extLst>
           </p:cNvPr>
@@ -11646,8 +11662,8 @@
         </p:blipFill>
         <p:spPr bwMode="auto">
           <a:xfrm>
-            <a:off x="551935" y="1548713"/>
-            <a:ext cx="6623100" cy="4666551"/>
+            <a:off x="699588" y="1601102"/>
+            <a:ext cx="6302874" cy="4440924"/>
           </a:xfrm>
           <a:prstGeom prst="rect">
             <a:avLst/>
@@ -11741,8 +11757,8 @@
           </a:p>
         </p:txBody>
       </p:sp>
-      <mc:AlternateContent xmlns:mc="http://schemas.openxmlformats.org/markup-compatibility/2006">
-        <mc:Choice xmlns:a14="http://schemas.microsoft.com/office/drawing/2010/main" Requires="a14">
+      <mc:AlternateContent xmlns:mc="http://schemas.openxmlformats.org/markup-compatibility/2006" xmlns:a14="http://schemas.microsoft.com/office/drawing/2010/main">
+        <mc:Choice Requires="a14">
           <p:graphicFrame>
             <p:nvGraphicFramePr>
               <p:cNvPr id="4" name="Content Placeholder 3">
@@ -11775,7 +11791,7 @@
             </a:graphic>
           </p:graphicFrame>
         </mc:Choice>
-        <mc:Fallback>
+        <mc:Fallback xmlns="">
           <p:graphicFrame>
             <p:nvGraphicFramePr>
               <p:cNvPr id="4" name="Content Placeholder 3">
@@ -11803,7 +11819,7 @@
             </p:xfrm>
             <a:graphic>
               <a:graphicData uri="http://schemas.openxmlformats.org/drawingml/2006/diagram">
-                <dgm:relIds xmlns:dgm="http://schemas.openxmlformats.org/drawingml/2006/diagram" xmlns:r="http://schemas.openxmlformats.org/officeDocument/2006/relationships" r:dm="rId8" r:lo="rId4" r:qs="rId5" r:cs="rId6"/>
+                <dgm:relIds xmlns:dgm="http://schemas.openxmlformats.org/drawingml/2006/diagram" xmlns:r="http://schemas.openxmlformats.org/officeDocument/2006/relationships" r:dm="rId8" r:lo="rId9" r:qs="rId10" r:cs="rId11"/>
               </a:graphicData>
             </a:graphic>
           </p:graphicFrame>
@@ -12343,8 +12359,8 @@
           </a:xfrm>
         </p:spPr>
       </p:pic>
-      <mc:AlternateContent xmlns:mc="http://schemas.openxmlformats.org/markup-compatibility/2006">
-        <mc:Choice xmlns:a14="http://schemas.microsoft.com/office/drawing/2010/main" Requires="a14">
+      <mc:AlternateContent xmlns:mc="http://schemas.openxmlformats.org/markup-compatibility/2006" xmlns:a14="http://schemas.microsoft.com/office/drawing/2010/main">
+        <mc:Choice Requires="a14">
           <p:sp>
             <p:nvSpPr>
               <p:cNvPr id="3" name="TextBox 2">
@@ -12373,6 +12389,7 @@
               </a:bodyPr>
               <a:lstStyle/>
               <a:p>
+                <a:pPr/>
                 <a14:m>
                   <m:oMathPara xmlns:m="http://schemas.openxmlformats.org/officeDocument/2006/math">
                     <m:oMathParaPr>
@@ -12393,7 +12410,7 @@
             </p:txBody>
           </p:sp>
         </mc:Choice>
-        <mc:Fallback>
+        <mc:Fallback xmlns="">
           <p:sp>
             <p:nvSpPr>
               <p:cNvPr id="3" name="TextBox 2">
@@ -12490,6 +12507,15 @@
                 </a:pPr>
                 <a14:m>
                   <m:oMath xmlns:m="http://schemas.openxmlformats.org/officeDocument/2006/math">
+                    <m:r>
+                      <m:rPr>
+                        <m:sty m:val="p"/>
+                      </m:rPr>
+                      <a:rPr lang="en-US" b="0" i="0" smtClean="0">
+                        <a:latin typeface="Cambria Math" panose="02040503050406030204" pitchFamily="18" charset="0"/>
+                      </a:rPr>
+                      <m:t>Δ</m:t>
+                    </m:r>
                     <m:sSub>
                       <m:sSubPr>
                         <m:ctrlPr>
@@ -12500,41 +12526,19 @@
                       </m:sSubPr>
                       <m:e>
                         <m:r>
-                          <m:rPr>
-                            <m:sty m:val="p"/>
-                          </m:rPr>
-                          <a:rPr lang="en-US" b="0" i="0" smtClean="0">
+                          <a:rPr lang="en-US" b="0" i="1" smtClean="0">
                             <a:latin typeface="Cambria Math" panose="02040503050406030204" pitchFamily="18" charset="0"/>
                           </a:rPr>
-                          <m:t>Δ</m:t>
+                          <m:t>𝑡</m:t>
                         </m:r>
                       </m:e>
                       <m:sub>
-                        <m:sSub>
-                          <m:sSubPr>
-                            <m:ctrlPr>
-                              <a:rPr lang="en-US" b="0" i="1" smtClean="0">
-                                <a:latin typeface="Cambria Math" panose="02040503050406030204" pitchFamily="18" charset="0"/>
-                              </a:rPr>
-                            </m:ctrlPr>
-                          </m:sSubPr>
-                          <m:e>
-                            <m:r>
-                              <a:rPr lang="en-US" b="0" i="1" smtClean="0">
-                                <a:latin typeface="Cambria Math" panose="02040503050406030204" pitchFamily="18" charset="0"/>
-                              </a:rPr>
-                              <m:t>𝑡</m:t>
-                            </m:r>
-                          </m:e>
-                          <m:sub>
-                            <m:r>
-                              <a:rPr lang="en-US" b="0" i="1" smtClean="0">
-                                <a:latin typeface="Cambria Math" panose="02040503050406030204" pitchFamily="18" charset="0"/>
-                              </a:rPr>
-                              <m:t>𝑆</m:t>
-                            </m:r>
-                          </m:sub>
-                        </m:sSub>
+                        <m:r>
+                          <a:rPr lang="en-US" b="0" i="1" smtClean="0">
+                            <a:latin typeface="Cambria Math" panose="02040503050406030204" pitchFamily="18" charset="0"/>
+                          </a:rPr>
+                          <m:t>𝑠</m:t>
+                        </m:r>
                       </m:sub>
                     </m:sSub>
                     <m:r>
@@ -12645,7 +12649,7 @@
               <a:blipFill>
                 <a:blip r:embed="rId5"/>
                 <a:stretch>
-                  <a:fillRect l="-990" t="-1619" b="-5668"/>
+                  <a:fillRect l="-990" t="-1619" b="-4049"/>
                 </a:stretch>
               </a:blipFill>
             </p:spPr>
